--- a/ppt 16-9/0938.走十架路.pptx
+++ b/ppt 16-9/0938.走十架路.pptx
@@ -129,7 +129,7 @@
           <p:cNvPr id="2" name="标题 1">
             <a:extLst>
               <a:ext uri="{FF2B5EF4-FFF2-40B4-BE49-F238E27FC236}">
-                <a16:creationId xmlns:a16="http://schemas.microsoft.com/office/drawing/2014/main" id="{09863AB8-0704-E396-8D04-6DAB2DFB0F06}"/>
+                <a16:creationId xmlns:a16="http://schemas.microsoft.com/office/drawing/2014/main" id="{EA171334-23FC-883E-90A1-EB33797A8597}"/>
               </a:ext>
             </a:extLst>
           </p:cNvPr>
@@ -166,7 +166,7 @@
           <p:cNvPr id="3" name="副标题 2">
             <a:extLst>
               <a:ext uri="{FF2B5EF4-FFF2-40B4-BE49-F238E27FC236}">
-                <a16:creationId xmlns:a16="http://schemas.microsoft.com/office/drawing/2014/main" id="{D74AAB3A-922A-26D7-7353-CEAA8EA06C28}"/>
+                <a16:creationId xmlns:a16="http://schemas.microsoft.com/office/drawing/2014/main" id="{1D755A11-C4C2-609D-8FFB-CFBF1E61D23D}"/>
               </a:ext>
             </a:extLst>
           </p:cNvPr>
@@ -236,7 +236,7 @@
           <p:cNvPr id="4" name="日期占位符 3">
             <a:extLst>
               <a:ext uri="{FF2B5EF4-FFF2-40B4-BE49-F238E27FC236}">
-                <a16:creationId xmlns:a16="http://schemas.microsoft.com/office/drawing/2014/main" id="{ECDC6298-B2B9-5B3B-699B-50D48F2D3ED4}"/>
+                <a16:creationId xmlns:a16="http://schemas.microsoft.com/office/drawing/2014/main" id="{AC10BAF3-B056-1F5D-A946-E47FDE919350}"/>
               </a:ext>
             </a:extLst>
           </p:cNvPr>
@@ -252,7 +252,7 @@
           <a:bodyPr/>
           <a:lstStyle/>
           <a:p>
-            <a:fld id="{C6ED9E28-889F-4281-AE25-D8D76E9C6115}" type="datetimeFigureOut">
+            <a:fld id="{1F01151E-85CE-4A7F-A614-C9E5EE33EF06}" type="datetimeFigureOut">
               <a:rPr lang="zh-CN" altLang="en-US" smtClean="0"/>
               <a:t>2024/3/10</a:t>
             </a:fld>
@@ -265,7 +265,7 @@
           <p:cNvPr id="5" name="页脚占位符 4">
             <a:extLst>
               <a:ext uri="{FF2B5EF4-FFF2-40B4-BE49-F238E27FC236}">
-                <a16:creationId xmlns:a16="http://schemas.microsoft.com/office/drawing/2014/main" id="{9F075351-DED4-760A-E55F-D17DF1EB7EA5}"/>
+                <a16:creationId xmlns:a16="http://schemas.microsoft.com/office/drawing/2014/main" id="{064F40D9-49D4-DB9F-A1A3-DF308D2DA415}"/>
               </a:ext>
             </a:extLst>
           </p:cNvPr>
@@ -290,7 +290,7 @@
           <p:cNvPr id="6" name="灯片编号占位符 5">
             <a:extLst>
               <a:ext uri="{FF2B5EF4-FFF2-40B4-BE49-F238E27FC236}">
-                <a16:creationId xmlns:a16="http://schemas.microsoft.com/office/drawing/2014/main" id="{0CF162DC-1F3B-203F-FB9C-AEA1572BAD35}"/>
+                <a16:creationId xmlns:a16="http://schemas.microsoft.com/office/drawing/2014/main" id="{CE4961BB-F9DD-D7D5-BDF1-FF8F71FD5672}"/>
               </a:ext>
             </a:extLst>
           </p:cNvPr>
@@ -306,7 +306,7 @@
           <a:bodyPr/>
           <a:lstStyle/>
           <a:p>
-            <a:fld id="{5AA19460-45E9-46E1-AB32-3220A69F84E2}" type="slidenum">
+            <a:fld id="{38904F52-753B-4FA0-BFD1-48CA8FD344B5}" type="slidenum">
               <a:rPr lang="zh-CN" altLang="en-US" smtClean="0"/>
               <a:t>‹#›</a:t>
             </a:fld>
@@ -317,7 +317,7 @@
     </p:spTree>
     <p:extLst>
       <p:ext uri="{BB962C8B-B14F-4D97-AF65-F5344CB8AC3E}">
-        <p14:creationId xmlns:p14="http://schemas.microsoft.com/office/powerpoint/2010/main" val="2778864464"/>
+        <p14:creationId xmlns:p14="http://schemas.microsoft.com/office/powerpoint/2010/main" val="3697529273"/>
       </p:ext>
     </p:extLst>
   </p:cSld>
@@ -349,7 +349,7 @@
           <p:cNvPr id="2" name="标题 1">
             <a:extLst>
               <a:ext uri="{FF2B5EF4-FFF2-40B4-BE49-F238E27FC236}">
-                <a16:creationId xmlns:a16="http://schemas.microsoft.com/office/drawing/2014/main" id="{4971F76A-199E-8F88-9D8D-FD549B805115}"/>
+                <a16:creationId xmlns:a16="http://schemas.microsoft.com/office/drawing/2014/main" id="{02CE30E7-B85D-7D3E-DB91-05C00A1FD527}"/>
               </a:ext>
             </a:extLst>
           </p:cNvPr>
@@ -377,7 +377,7 @@
           <p:cNvPr id="3" name="竖排文字占位符 2">
             <a:extLst>
               <a:ext uri="{FF2B5EF4-FFF2-40B4-BE49-F238E27FC236}">
-                <a16:creationId xmlns:a16="http://schemas.microsoft.com/office/drawing/2014/main" id="{0CEDD590-5734-6BD5-53C8-011B104DDF66}"/>
+                <a16:creationId xmlns:a16="http://schemas.microsoft.com/office/drawing/2014/main" id="{B9CB0323-AA50-CB25-75D4-C44032634B33}"/>
               </a:ext>
             </a:extLst>
           </p:cNvPr>
@@ -434,7 +434,7 @@
           <p:cNvPr id="4" name="日期占位符 3">
             <a:extLst>
               <a:ext uri="{FF2B5EF4-FFF2-40B4-BE49-F238E27FC236}">
-                <a16:creationId xmlns:a16="http://schemas.microsoft.com/office/drawing/2014/main" id="{359BA788-AEE1-D388-2EA7-04C6C8643DC9}"/>
+                <a16:creationId xmlns:a16="http://schemas.microsoft.com/office/drawing/2014/main" id="{05833140-FF24-C2EB-9F33-BFCF95D2DB3C}"/>
               </a:ext>
             </a:extLst>
           </p:cNvPr>
@@ -450,7 +450,7 @@
           <a:bodyPr/>
           <a:lstStyle/>
           <a:p>
-            <a:fld id="{C6ED9E28-889F-4281-AE25-D8D76E9C6115}" type="datetimeFigureOut">
+            <a:fld id="{1F01151E-85CE-4A7F-A614-C9E5EE33EF06}" type="datetimeFigureOut">
               <a:rPr lang="zh-CN" altLang="en-US" smtClean="0"/>
               <a:t>2024/3/10</a:t>
             </a:fld>
@@ -463,7 +463,7 @@
           <p:cNvPr id="5" name="页脚占位符 4">
             <a:extLst>
               <a:ext uri="{FF2B5EF4-FFF2-40B4-BE49-F238E27FC236}">
-                <a16:creationId xmlns:a16="http://schemas.microsoft.com/office/drawing/2014/main" id="{C36C3A17-FAF8-FEEC-3DB1-F986C7635853}"/>
+                <a16:creationId xmlns:a16="http://schemas.microsoft.com/office/drawing/2014/main" id="{64AC1257-E041-7C17-8ABA-3DD356FC42DA}"/>
               </a:ext>
             </a:extLst>
           </p:cNvPr>
@@ -488,7 +488,7 @@
           <p:cNvPr id="6" name="灯片编号占位符 5">
             <a:extLst>
               <a:ext uri="{FF2B5EF4-FFF2-40B4-BE49-F238E27FC236}">
-                <a16:creationId xmlns:a16="http://schemas.microsoft.com/office/drawing/2014/main" id="{51B652FC-3799-046C-EAFD-234AB9815F3F}"/>
+                <a16:creationId xmlns:a16="http://schemas.microsoft.com/office/drawing/2014/main" id="{9A9F474D-2886-8BE3-7DA4-4E62158011DD}"/>
               </a:ext>
             </a:extLst>
           </p:cNvPr>
@@ -504,7 +504,7 @@
           <a:bodyPr/>
           <a:lstStyle/>
           <a:p>
-            <a:fld id="{5AA19460-45E9-46E1-AB32-3220A69F84E2}" type="slidenum">
+            <a:fld id="{38904F52-753B-4FA0-BFD1-48CA8FD344B5}" type="slidenum">
               <a:rPr lang="zh-CN" altLang="en-US" smtClean="0"/>
               <a:t>‹#›</a:t>
             </a:fld>
@@ -515,7 +515,7 @@
     </p:spTree>
     <p:extLst>
       <p:ext uri="{BB962C8B-B14F-4D97-AF65-F5344CB8AC3E}">
-        <p14:creationId xmlns:p14="http://schemas.microsoft.com/office/powerpoint/2010/main" val="2881391116"/>
+        <p14:creationId xmlns:p14="http://schemas.microsoft.com/office/powerpoint/2010/main" val="197536383"/>
       </p:ext>
     </p:extLst>
   </p:cSld>
@@ -547,7 +547,7 @@
           <p:cNvPr id="2" name="竖排标题 1">
             <a:extLst>
               <a:ext uri="{FF2B5EF4-FFF2-40B4-BE49-F238E27FC236}">
-                <a16:creationId xmlns:a16="http://schemas.microsoft.com/office/drawing/2014/main" id="{4114310F-0167-6E93-F45F-CCA795E6AF78}"/>
+                <a16:creationId xmlns:a16="http://schemas.microsoft.com/office/drawing/2014/main" id="{25E97F19-698F-1965-3860-1AB0989476A7}"/>
               </a:ext>
             </a:extLst>
           </p:cNvPr>
@@ -580,7 +580,7 @@
           <p:cNvPr id="3" name="竖排文字占位符 2">
             <a:extLst>
               <a:ext uri="{FF2B5EF4-FFF2-40B4-BE49-F238E27FC236}">
-                <a16:creationId xmlns:a16="http://schemas.microsoft.com/office/drawing/2014/main" id="{2ABB523E-F021-D936-C3CE-2D2F774DFC9B}"/>
+                <a16:creationId xmlns:a16="http://schemas.microsoft.com/office/drawing/2014/main" id="{7499DBF9-EF4F-6CFD-B713-2369EE0306D5}"/>
               </a:ext>
             </a:extLst>
           </p:cNvPr>
@@ -642,7 +642,7 @@
           <p:cNvPr id="4" name="日期占位符 3">
             <a:extLst>
               <a:ext uri="{FF2B5EF4-FFF2-40B4-BE49-F238E27FC236}">
-                <a16:creationId xmlns:a16="http://schemas.microsoft.com/office/drawing/2014/main" id="{D968365F-A06B-C40C-55A6-C2F43F527C0A}"/>
+                <a16:creationId xmlns:a16="http://schemas.microsoft.com/office/drawing/2014/main" id="{E057C18D-20F2-798B-15F2-B588B66CB9CC}"/>
               </a:ext>
             </a:extLst>
           </p:cNvPr>
@@ -658,7 +658,7 @@
           <a:bodyPr/>
           <a:lstStyle/>
           <a:p>
-            <a:fld id="{C6ED9E28-889F-4281-AE25-D8D76E9C6115}" type="datetimeFigureOut">
+            <a:fld id="{1F01151E-85CE-4A7F-A614-C9E5EE33EF06}" type="datetimeFigureOut">
               <a:rPr lang="zh-CN" altLang="en-US" smtClean="0"/>
               <a:t>2024/3/10</a:t>
             </a:fld>
@@ -671,7 +671,7 @@
           <p:cNvPr id="5" name="页脚占位符 4">
             <a:extLst>
               <a:ext uri="{FF2B5EF4-FFF2-40B4-BE49-F238E27FC236}">
-                <a16:creationId xmlns:a16="http://schemas.microsoft.com/office/drawing/2014/main" id="{3F6387CB-2012-EDB6-E5CF-9767D533A5F4}"/>
+                <a16:creationId xmlns:a16="http://schemas.microsoft.com/office/drawing/2014/main" id="{C3CDA88C-9FE4-E864-780A-503F2EF000D8}"/>
               </a:ext>
             </a:extLst>
           </p:cNvPr>
@@ -696,7 +696,7 @@
           <p:cNvPr id="6" name="灯片编号占位符 5">
             <a:extLst>
               <a:ext uri="{FF2B5EF4-FFF2-40B4-BE49-F238E27FC236}">
-                <a16:creationId xmlns:a16="http://schemas.microsoft.com/office/drawing/2014/main" id="{1D972C25-7CCD-743F-AE5C-23F2EED2CFB4}"/>
+                <a16:creationId xmlns:a16="http://schemas.microsoft.com/office/drawing/2014/main" id="{1345F0A1-E5BB-CA20-E2E2-410E8F63DF1F}"/>
               </a:ext>
             </a:extLst>
           </p:cNvPr>
@@ -712,7 +712,7 @@
           <a:bodyPr/>
           <a:lstStyle/>
           <a:p>
-            <a:fld id="{5AA19460-45E9-46E1-AB32-3220A69F84E2}" type="slidenum">
+            <a:fld id="{38904F52-753B-4FA0-BFD1-48CA8FD344B5}" type="slidenum">
               <a:rPr lang="zh-CN" altLang="en-US" smtClean="0"/>
               <a:t>‹#›</a:t>
             </a:fld>
@@ -723,7 +723,7 @@
     </p:spTree>
     <p:extLst>
       <p:ext uri="{BB962C8B-B14F-4D97-AF65-F5344CB8AC3E}">
-        <p14:creationId xmlns:p14="http://schemas.microsoft.com/office/powerpoint/2010/main" val="1557078142"/>
+        <p14:creationId xmlns:p14="http://schemas.microsoft.com/office/powerpoint/2010/main" val="1360932417"/>
       </p:ext>
     </p:extLst>
   </p:cSld>
@@ -755,7 +755,7 @@
           <p:cNvPr id="2" name="标题 1">
             <a:extLst>
               <a:ext uri="{FF2B5EF4-FFF2-40B4-BE49-F238E27FC236}">
-                <a16:creationId xmlns:a16="http://schemas.microsoft.com/office/drawing/2014/main" id="{9E0E4395-DFD7-3E89-C1A4-BA9EC0C424A2}"/>
+                <a16:creationId xmlns:a16="http://schemas.microsoft.com/office/drawing/2014/main" id="{67D1B2F4-144F-B230-7D2E-E9C8D9169FE6}"/>
               </a:ext>
             </a:extLst>
           </p:cNvPr>
@@ -783,7 +783,7 @@
           <p:cNvPr id="3" name="内容占位符 2">
             <a:extLst>
               <a:ext uri="{FF2B5EF4-FFF2-40B4-BE49-F238E27FC236}">
-                <a16:creationId xmlns:a16="http://schemas.microsoft.com/office/drawing/2014/main" id="{AD493EB4-6FD9-7E6D-0A35-2EB9A8DD1F65}"/>
+                <a16:creationId xmlns:a16="http://schemas.microsoft.com/office/drawing/2014/main" id="{E6B9BAB4-B3BD-9FC6-670D-8AB762E7E461}"/>
               </a:ext>
             </a:extLst>
           </p:cNvPr>
@@ -840,7 +840,7 @@
           <p:cNvPr id="4" name="日期占位符 3">
             <a:extLst>
               <a:ext uri="{FF2B5EF4-FFF2-40B4-BE49-F238E27FC236}">
-                <a16:creationId xmlns:a16="http://schemas.microsoft.com/office/drawing/2014/main" id="{A9B22D4B-B56F-0DC0-056B-4F61C41BFC5E}"/>
+                <a16:creationId xmlns:a16="http://schemas.microsoft.com/office/drawing/2014/main" id="{B7E06880-D6BD-51E3-316B-B33BAFAA1F22}"/>
               </a:ext>
             </a:extLst>
           </p:cNvPr>
@@ -856,7 +856,7 @@
           <a:bodyPr/>
           <a:lstStyle/>
           <a:p>
-            <a:fld id="{C6ED9E28-889F-4281-AE25-D8D76E9C6115}" type="datetimeFigureOut">
+            <a:fld id="{1F01151E-85CE-4A7F-A614-C9E5EE33EF06}" type="datetimeFigureOut">
               <a:rPr lang="zh-CN" altLang="en-US" smtClean="0"/>
               <a:t>2024/3/10</a:t>
             </a:fld>
@@ -869,7 +869,7 @@
           <p:cNvPr id="5" name="页脚占位符 4">
             <a:extLst>
               <a:ext uri="{FF2B5EF4-FFF2-40B4-BE49-F238E27FC236}">
-                <a16:creationId xmlns:a16="http://schemas.microsoft.com/office/drawing/2014/main" id="{2307E4FD-DFC6-6E47-B0B2-FAFA2820CA25}"/>
+                <a16:creationId xmlns:a16="http://schemas.microsoft.com/office/drawing/2014/main" id="{E0C20472-A522-580A-C8B8-BEF890E88C0C}"/>
               </a:ext>
             </a:extLst>
           </p:cNvPr>
@@ -894,7 +894,7 @@
           <p:cNvPr id="6" name="灯片编号占位符 5">
             <a:extLst>
               <a:ext uri="{FF2B5EF4-FFF2-40B4-BE49-F238E27FC236}">
-                <a16:creationId xmlns:a16="http://schemas.microsoft.com/office/drawing/2014/main" id="{960C05DA-9ECF-E98C-5F46-789FA13A2300}"/>
+                <a16:creationId xmlns:a16="http://schemas.microsoft.com/office/drawing/2014/main" id="{531546F1-A11C-74D2-05B3-3CBC04712C69}"/>
               </a:ext>
             </a:extLst>
           </p:cNvPr>
@@ -910,7 +910,7 @@
           <a:bodyPr/>
           <a:lstStyle/>
           <a:p>
-            <a:fld id="{5AA19460-45E9-46E1-AB32-3220A69F84E2}" type="slidenum">
+            <a:fld id="{38904F52-753B-4FA0-BFD1-48CA8FD344B5}" type="slidenum">
               <a:rPr lang="zh-CN" altLang="en-US" smtClean="0"/>
               <a:t>‹#›</a:t>
             </a:fld>
@@ -921,7 +921,7 @@
     </p:spTree>
     <p:extLst>
       <p:ext uri="{BB962C8B-B14F-4D97-AF65-F5344CB8AC3E}">
-        <p14:creationId xmlns:p14="http://schemas.microsoft.com/office/powerpoint/2010/main" val="3438514723"/>
+        <p14:creationId xmlns:p14="http://schemas.microsoft.com/office/powerpoint/2010/main" val="1958587401"/>
       </p:ext>
     </p:extLst>
   </p:cSld>
@@ -953,7 +953,7 @@
           <p:cNvPr id="2" name="标题 1">
             <a:extLst>
               <a:ext uri="{FF2B5EF4-FFF2-40B4-BE49-F238E27FC236}">
-                <a16:creationId xmlns:a16="http://schemas.microsoft.com/office/drawing/2014/main" id="{AB8D3DF9-A003-C101-31D4-D897EF542445}"/>
+                <a16:creationId xmlns:a16="http://schemas.microsoft.com/office/drawing/2014/main" id="{D81C1F05-A59F-ECEF-A1E8-786177C297FD}"/>
               </a:ext>
             </a:extLst>
           </p:cNvPr>
@@ -990,7 +990,7 @@
           <p:cNvPr id="3" name="文本占位符 2">
             <a:extLst>
               <a:ext uri="{FF2B5EF4-FFF2-40B4-BE49-F238E27FC236}">
-                <a16:creationId xmlns:a16="http://schemas.microsoft.com/office/drawing/2014/main" id="{18C1160E-4BBB-DBFA-5F89-39F8EC34DD47}"/>
+                <a16:creationId xmlns:a16="http://schemas.microsoft.com/office/drawing/2014/main" id="{0592620E-D613-0CDD-5339-DC248E93DA08}"/>
               </a:ext>
             </a:extLst>
           </p:cNvPr>
@@ -1115,7 +1115,7 @@
           <p:cNvPr id="4" name="日期占位符 3">
             <a:extLst>
               <a:ext uri="{FF2B5EF4-FFF2-40B4-BE49-F238E27FC236}">
-                <a16:creationId xmlns:a16="http://schemas.microsoft.com/office/drawing/2014/main" id="{10EC83D7-FFC1-CB30-985B-38445F21FA3D}"/>
+                <a16:creationId xmlns:a16="http://schemas.microsoft.com/office/drawing/2014/main" id="{FFCBB062-0539-E726-01F5-881F10621AC3}"/>
               </a:ext>
             </a:extLst>
           </p:cNvPr>
@@ -1131,7 +1131,7 @@
           <a:bodyPr/>
           <a:lstStyle/>
           <a:p>
-            <a:fld id="{C6ED9E28-889F-4281-AE25-D8D76E9C6115}" type="datetimeFigureOut">
+            <a:fld id="{1F01151E-85CE-4A7F-A614-C9E5EE33EF06}" type="datetimeFigureOut">
               <a:rPr lang="zh-CN" altLang="en-US" smtClean="0"/>
               <a:t>2024/3/10</a:t>
             </a:fld>
@@ -1144,7 +1144,7 @@
           <p:cNvPr id="5" name="页脚占位符 4">
             <a:extLst>
               <a:ext uri="{FF2B5EF4-FFF2-40B4-BE49-F238E27FC236}">
-                <a16:creationId xmlns:a16="http://schemas.microsoft.com/office/drawing/2014/main" id="{258E3998-FD5B-BAD9-F306-91ADE019DC0D}"/>
+                <a16:creationId xmlns:a16="http://schemas.microsoft.com/office/drawing/2014/main" id="{3A7C62CC-6F2B-3C2D-F658-06B5F9851124}"/>
               </a:ext>
             </a:extLst>
           </p:cNvPr>
@@ -1169,7 +1169,7 @@
           <p:cNvPr id="6" name="灯片编号占位符 5">
             <a:extLst>
               <a:ext uri="{FF2B5EF4-FFF2-40B4-BE49-F238E27FC236}">
-                <a16:creationId xmlns:a16="http://schemas.microsoft.com/office/drawing/2014/main" id="{09A2C898-8F9F-8947-9838-9CC2044B267C}"/>
+                <a16:creationId xmlns:a16="http://schemas.microsoft.com/office/drawing/2014/main" id="{9BA3AD24-8E3F-4E58-45BA-443C3DEA6EF6}"/>
               </a:ext>
             </a:extLst>
           </p:cNvPr>
@@ -1185,7 +1185,7 @@
           <a:bodyPr/>
           <a:lstStyle/>
           <a:p>
-            <a:fld id="{5AA19460-45E9-46E1-AB32-3220A69F84E2}" type="slidenum">
+            <a:fld id="{38904F52-753B-4FA0-BFD1-48CA8FD344B5}" type="slidenum">
               <a:rPr lang="zh-CN" altLang="en-US" smtClean="0"/>
               <a:t>‹#›</a:t>
             </a:fld>
@@ -1196,7 +1196,7 @@
     </p:spTree>
     <p:extLst>
       <p:ext uri="{BB962C8B-B14F-4D97-AF65-F5344CB8AC3E}">
-        <p14:creationId xmlns:p14="http://schemas.microsoft.com/office/powerpoint/2010/main" val="3629650242"/>
+        <p14:creationId xmlns:p14="http://schemas.microsoft.com/office/powerpoint/2010/main" val="2329151016"/>
       </p:ext>
     </p:extLst>
   </p:cSld>
@@ -1228,7 +1228,7 @@
           <p:cNvPr id="2" name="标题 1">
             <a:extLst>
               <a:ext uri="{FF2B5EF4-FFF2-40B4-BE49-F238E27FC236}">
-                <a16:creationId xmlns:a16="http://schemas.microsoft.com/office/drawing/2014/main" id="{AE723C82-974C-294E-F67C-23A154222BD8}"/>
+                <a16:creationId xmlns:a16="http://schemas.microsoft.com/office/drawing/2014/main" id="{439B6AA0-8895-2131-13BB-0A04EA777DF2}"/>
               </a:ext>
             </a:extLst>
           </p:cNvPr>
@@ -1256,7 +1256,7 @@
           <p:cNvPr id="3" name="内容占位符 2">
             <a:extLst>
               <a:ext uri="{FF2B5EF4-FFF2-40B4-BE49-F238E27FC236}">
-                <a16:creationId xmlns:a16="http://schemas.microsoft.com/office/drawing/2014/main" id="{ED4C6FBF-89F3-6C44-5774-466BAF383909}"/>
+                <a16:creationId xmlns:a16="http://schemas.microsoft.com/office/drawing/2014/main" id="{D44A3470-177D-4EDF-FAF1-4BA67F4228D2}"/>
               </a:ext>
             </a:extLst>
           </p:cNvPr>
@@ -1318,7 +1318,7 @@
           <p:cNvPr id="4" name="内容占位符 3">
             <a:extLst>
               <a:ext uri="{FF2B5EF4-FFF2-40B4-BE49-F238E27FC236}">
-                <a16:creationId xmlns:a16="http://schemas.microsoft.com/office/drawing/2014/main" id="{2CBFEE7B-8F42-FF32-E152-45099BD10309}"/>
+                <a16:creationId xmlns:a16="http://schemas.microsoft.com/office/drawing/2014/main" id="{308D9C4F-13CC-38DD-BC72-C9EC638BB793}"/>
               </a:ext>
             </a:extLst>
           </p:cNvPr>
@@ -1380,7 +1380,7 @@
           <p:cNvPr id="5" name="日期占位符 4">
             <a:extLst>
               <a:ext uri="{FF2B5EF4-FFF2-40B4-BE49-F238E27FC236}">
-                <a16:creationId xmlns:a16="http://schemas.microsoft.com/office/drawing/2014/main" id="{23BE7D70-3CD4-37AB-6E31-87AA358D3569}"/>
+                <a16:creationId xmlns:a16="http://schemas.microsoft.com/office/drawing/2014/main" id="{AA250FE9-76D3-E254-604F-52EADCC6092A}"/>
               </a:ext>
             </a:extLst>
           </p:cNvPr>
@@ -1396,7 +1396,7 @@
           <a:bodyPr/>
           <a:lstStyle/>
           <a:p>
-            <a:fld id="{C6ED9E28-889F-4281-AE25-D8D76E9C6115}" type="datetimeFigureOut">
+            <a:fld id="{1F01151E-85CE-4A7F-A614-C9E5EE33EF06}" type="datetimeFigureOut">
               <a:rPr lang="zh-CN" altLang="en-US" smtClean="0"/>
               <a:t>2024/3/10</a:t>
             </a:fld>
@@ -1409,7 +1409,7 @@
           <p:cNvPr id="6" name="页脚占位符 5">
             <a:extLst>
               <a:ext uri="{FF2B5EF4-FFF2-40B4-BE49-F238E27FC236}">
-                <a16:creationId xmlns:a16="http://schemas.microsoft.com/office/drawing/2014/main" id="{138FFE3B-60DF-BF9A-400C-255D3907D4B5}"/>
+                <a16:creationId xmlns:a16="http://schemas.microsoft.com/office/drawing/2014/main" id="{0DBB6F9C-9CAD-6D9E-93DC-C0CFDDA3AAC2}"/>
               </a:ext>
             </a:extLst>
           </p:cNvPr>
@@ -1434,7 +1434,7 @@
           <p:cNvPr id="7" name="灯片编号占位符 6">
             <a:extLst>
               <a:ext uri="{FF2B5EF4-FFF2-40B4-BE49-F238E27FC236}">
-                <a16:creationId xmlns:a16="http://schemas.microsoft.com/office/drawing/2014/main" id="{EED4769A-490B-0F0D-5F62-B4A4AB9812F9}"/>
+                <a16:creationId xmlns:a16="http://schemas.microsoft.com/office/drawing/2014/main" id="{818ED26D-FE5E-AE0C-E60B-36AB7911AA29}"/>
               </a:ext>
             </a:extLst>
           </p:cNvPr>
@@ -1450,7 +1450,7 @@
           <a:bodyPr/>
           <a:lstStyle/>
           <a:p>
-            <a:fld id="{5AA19460-45E9-46E1-AB32-3220A69F84E2}" type="slidenum">
+            <a:fld id="{38904F52-753B-4FA0-BFD1-48CA8FD344B5}" type="slidenum">
               <a:rPr lang="zh-CN" altLang="en-US" smtClean="0"/>
               <a:t>‹#›</a:t>
             </a:fld>
@@ -1461,7 +1461,7 @@
     </p:spTree>
     <p:extLst>
       <p:ext uri="{BB962C8B-B14F-4D97-AF65-F5344CB8AC3E}">
-        <p14:creationId xmlns:p14="http://schemas.microsoft.com/office/powerpoint/2010/main" val="419487536"/>
+        <p14:creationId xmlns:p14="http://schemas.microsoft.com/office/powerpoint/2010/main" val="1498804248"/>
       </p:ext>
     </p:extLst>
   </p:cSld>
@@ -1493,7 +1493,7 @@
           <p:cNvPr id="2" name="标题 1">
             <a:extLst>
               <a:ext uri="{FF2B5EF4-FFF2-40B4-BE49-F238E27FC236}">
-                <a16:creationId xmlns:a16="http://schemas.microsoft.com/office/drawing/2014/main" id="{9E1E9F5C-4D48-2AF8-A43F-4D6D64D7C077}"/>
+                <a16:creationId xmlns:a16="http://schemas.microsoft.com/office/drawing/2014/main" id="{523CBC16-CABD-AF7D-3D90-33BB6746FD91}"/>
               </a:ext>
             </a:extLst>
           </p:cNvPr>
@@ -1526,7 +1526,7 @@
           <p:cNvPr id="3" name="文本占位符 2">
             <a:extLst>
               <a:ext uri="{FF2B5EF4-FFF2-40B4-BE49-F238E27FC236}">
-                <a16:creationId xmlns:a16="http://schemas.microsoft.com/office/drawing/2014/main" id="{75B838ED-F3FE-EC93-5A1C-DA2B1E2DBCE0}"/>
+                <a16:creationId xmlns:a16="http://schemas.microsoft.com/office/drawing/2014/main" id="{DEB88EB5-D657-3924-1EC9-81D88AEC2CB4}"/>
               </a:ext>
             </a:extLst>
           </p:cNvPr>
@@ -1597,7 +1597,7 @@
           <p:cNvPr id="4" name="内容占位符 3">
             <a:extLst>
               <a:ext uri="{FF2B5EF4-FFF2-40B4-BE49-F238E27FC236}">
-                <a16:creationId xmlns:a16="http://schemas.microsoft.com/office/drawing/2014/main" id="{207C3D92-AC17-CACC-BA74-B00BFA766B2E}"/>
+                <a16:creationId xmlns:a16="http://schemas.microsoft.com/office/drawing/2014/main" id="{0339A812-A404-87A7-653D-329525EC69B2}"/>
               </a:ext>
             </a:extLst>
           </p:cNvPr>
@@ -1659,7 +1659,7 @@
           <p:cNvPr id="5" name="文本占位符 4">
             <a:extLst>
               <a:ext uri="{FF2B5EF4-FFF2-40B4-BE49-F238E27FC236}">
-                <a16:creationId xmlns:a16="http://schemas.microsoft.com/office/drawing/2014/main" id="{7135EC0B-BAB1-C288-DB4A-7392D1B74146}"/>
+                <a16:creationId xmlns:a16="http://schemas.microsoft.com/office/drawing/2014/main" id="{EE38D26F-B9D7-F18E-BC72-BE7202EEB44A}"/>
               </a:ext>
             </a:extLst>
           </p:cNvPr>
@@ -1730,7 +1730,7 @@
           <p:cNvPr id="6" name="内容占位符 5">
             <a:extLst>
               <a:ext uri="{FF2B5EF4-FFF2-40B4-BE49-F238E27FC236}">
-                <a16:creationId xmlns:a16="http://schemas.microsoft.com/office/drawing/2014/main" id="{8069F462-FE2F-43A4-B3CD-A2F766525548}"/>
+                <a16:creationId xmlns:a16="http://schemas.microsoft.com/office/drawing/2014/main" id="{7FF0099F-8162-4EB1-D856-917C8586BF91}"/>
               </a:ext>
             </a:extLst>
           </p:cNvPr>
@@ -1792,7 +1792,7 @@
           <p:cNvPr id="7" name="日期占位符 6">
             <a:extLst>
               <a:ext uri="{FF2B5EF4-FFF2-40B4-BE49-F238E27FC236}">
-                <a16:creationId xmlns:a16="http://schemas.microsoft.com/office/drawing/2014/main" id="{670FC2F4-61A0-C147-CE68-928B7EACF1E4}"/>
+                <a16:creationId xmlns:a16="http://schemas.microsoft.com/office/drawing/2014/main" id="{A6C8C071-12C6-31B2-7ADE-3BD765E08960}"/>
               </a:ext>
             </a:extLst>
           </p:cNvPr>
@@ -1808,7 +1808,7 @@
           <a:bodyPr/>
           <a:lstStyle/>
           <a:p>
-            <a:fld id="{C6ED9E28-889F-4281-AE25-D8D76E9C6115}" type="datetimeFigureOut">
+            <a:fld id="{1F01151E-85CE-4A7F-A614-C9E5EE33EF06}" type="datetimeFigureOut">
               <a:rPr lang="zh-CN" altLang="en-US" smtClean="0"/>
               <a:t>2024/3/10</a:t>
             </a:fld>
@@ -1821,7 +1821,7 @@
           <p:cNvPr id="8" name="页脚占位符 7">
             <a:extLst>
               <a:ext uri="{FF2B5EF4-FFF2-40B4-BE49-F238E27FC236}">
-                <a16:creationId xmlns:a16="http://schemas.microsoft.com/office/drawing/2014/main" id="{F35066A6-A61B-1D1E-5D71-A9EF2BB94B88}"/>
+                <a16:creationId xmlns:a16="http://schemas.microsoft.com/office/drawing/2014/main" id="{C0FB4037-CE97-C07A-CE47-5CD165B658E9}"/>
               </a:ext>
             </a:extLst>
           </p:cNvPr>
@@ -1846,7 +1846,7 @@
           <p:cNvPr id="9" name="灯片编号占位符 8">
             <a:extLst>
               <a:ext uri="{FF2B5EF4-FFF2-40B4-BE49-F238E27FC236}">
-                <a16:creationId xmlns:a16="http://schemas.microsoft.com/office/drawing/2014/main" id="{A9714B6A-BE1C-D103-F3BC-F87D1B36BBC7}"/>
+                <a16:creationId xmlns:a16="http://schemas.microsoft.com/office/drawing/2014/main" id="{085E9396-3F72-5F07-8AF1-8A9B5A71C3A4}"/>
               </a:ext>
             </a:extLst>
           </p:cNvPr>
@@ -1862,7 +1862,7 @@
           <a:bodyPr/>
           <a:lstStyle/>
           <a:p>
-            <a:fld id="{5AA19460-45E9-46E1-AB32-3220A69F84E2}" type="slidenum">
+            <a:fld id="{38904F52-753B-4FA0-BFD1-48CA8FD344B5}" type="slidenum">
               <a:rPr lang="zh-CN" altLang="en-US" smtClean="0"/>
               <a:t>‹#›</a:t>
             </a:fld>
@@ -1873,7 +1873,7 @@
     </p:spTree>
     <p:extLst>
       <p:ext uri="{BB962C8B-B14F-4D97-AF65-F5344CB8AC3E}">
-        <p14:creationId xmlns:p14="http://schemas.microsoft.com/office/powerpoint/2010/main" val="918476777"/>
+        <p14:creationId xmlns:p14="http://schemas.microsoft.com/office/powerpoint/2010/main" val="3371501309"/>
       </p:ext>
     </p:extLst>
   </p:cSld>
@@ -1905,7 +1905,7 @@
           <p:cNvPr id="2" name="标题 1">
             <a:extLst>
               <a:ext uri="{FF2B5EF4-FFF2-40B4-BE49-F238E27FC236}">
-                <a16:creationId xmlns:a16="http://schemas.microsoft.com/office/drawing/2014/main" id="{CAAC7D63-BD57-DEF1-93A6-5D6CAC4228AE}"/>
+                <a16:creationId xmlns:a16="http://schemas.microsoft.com/office/drawing/2014/main" id="{7A4222EB-ABDE-063F-4DEF-F68127328769}"/>
               </a:ext>
             </a:extLst>
           </p:cNvPr>
@@ -1933,7 +1933,7 @@
           <p:cNvPr id="3" name="日期占位符 2">
             <a:extLst>
               <a:ext uri="{FF2B5EF4-FFF2-40B4-BE49-F238E27FC236}">
-                <a16:creationId xmlns:a16="http://schemas.microsoft.com/office/drawing/2014/main" id="{4859CAFE-916E-4C97-CE9A-BFCE2D632ECF}"/>
+                <a16:creationId xmlns:a16="http://schemas.microsoft.com/office/drawing/2014/main" id="{7F678DFC-17B4-A7F4-68C8-AA302816E4CC}"/>
               </a:ext>
             </a:extLst>
           </p:cNvPr>
@@ -1949,7 +1949,7 @@
           <a:bodyPr/>
           <a:lstStyle/>
           <a:p>
-            <a:fld id="{C6ED9E28-889F-4281-AE25-D8D76E9C6115}" type="datetimeFigureOut">
+            <a:fld id="{1F01151E-85CE-4A7F-A614-C9E5EE33EF06}" type="datetimeFigureOut">
               <a:rPr lang="zh-CN" altLang="en-US" smtClean="0"/>
               <a:t>2024/3/10</a:t>
             </a:fld>
@@ -1962,7 +1962,7 @@
           <p:cNvPr id="4" name="页脚占位符 3">
             <a:extLst>
               <a:ext uri="{FF2B5EF4-FFF2-40B4-BE49-F238E27FC236}">
-                <a16:creationId xmlns:a16="http://schemas.microsoft.com/office/drawing/2014/main" id="{54941A7D-BC96-29C7-7831-ECEDE7AF2DD7}"/>
+                <a16:creationId xmlns:a16="http://schemas.microsoft.com/office/drawing/2014/main" id="{7A42EB69-40F6-A40C-EFDC-4673D779569A}"/>
               </a:ext>
             </a:extLst>
           </p:cNvPr>
@@ -1987,7 +1987,7 @@
           <p:cNvPr id="5" name="灯片编号占位符 4">
             <a:extLst>
               <a:ext uri="{FF2B5EF4-FFF2-40B4-BE49-F238E27FC236}">
-                <a16:creationId xmlns:a16="http://schemas.microsoft.com/office/drawing/2014/main" id="{9D5D9722-2305-E250-82B8-631629997416}"/>
+                <a16:creationId xmlns:a16="http://schemas.microsoft.com/office/drawing/2014/main" id="{DFD44CAF-0B67-5ABE-127B-2F923D4F626C}"/>
               </a:ext>
             </a:extLst>
           </p:cNvPr>
@@ -2003,7 +2003,7 @@
           <a:bodyPr/>
           <a:lstStyle/>
           <a:p>
-            <a:fld id="{5AA19460-45E9-46E1-AB32-3220A69F84E2}" type="slidenum">
+            <a:fld id="{38904F52-753B-4FA0-BFD1-48CA8FD344B5}" type="slidenum">
               <a:rPr lang="zh-CN" altLang="en-US" smtClean="0"/>
               <a:t>‹#›</a:t>
             </a:fld>
@@ -2014,7 +2014,7 @@
     </p:spTree>
     <p:extLst>
       <p:ext uri="{BB962C8B-B14F-4D97-AF65-F5344CB8AC3E}">
-        <p14:creationId xmlns:p14="http://schemas.microsoft.com/office/powerpoint/2010/main" val="1630482541"/>
+        <p14:creationId xmlns:p14="http://schemas.microsoft.com/office/powerpoint/2010/main" val="45473234"/>
       </p:ext>
     </p:extLst>
   </p:cSld>
@@ -2046,7 +2046,7 @@
           <p:cNvPr id="2" name="日期占位符 1">
             <a:extLst>
               <a:ext uri="{FF2B5EF4-FFF2-40B4-BE49-F238E27FC236}">
-                <a16:creationId xmlns:a16="http://schemas.microsoft.com/office/drawing/2014/main" id="{0A789AEA-BD26-5938-6B3F-618B9652EB4A}"/>
+                <a16:creationId xmlns:a16="http://schemas.microsoft.com/office/drawing/2014/main" id="{67A143B0-639B-BFDC-E044-B584128E0D9B}"/>
               </a:ext>
             </a:extLst>
           </p:cNvPr>
@@ -2062,7 +2062,7 @@
           <a:bodyPr/>
           <a:lstStyle/>
           <a:p>
-            <a:fld id="{C6ED9E28-889F-4281-AE25-D8D76E9C6115}" type="datetimeFigureOut">
+            <a:fld id="{1F01151E-85CE-4A7F-A614-C9E5EE33EF06}" type="datetimeFigureOut">
               <a:rPr lang="zh-CN" altLang="en-US" smtClean="0"/>
               <a:t>2024/3/10</a:t>
             </a:fld>
@@ -2075,7 +2075,7 @@
           <p:cNvPr id="3" name="页脚占位符 2">
             <a:extLst>
               <a:ext uri="{FF2B5EF4-FFF2-40B4-BE49-F238E27FC236}">
-                <a16:creationId xmlns:a16="http://schemas.microsoft.com/office/drawing/2014/main" id="{47FB34C3-62B2-A478-224C-299AD14DC691}"/>
+                <a16:creationId xmlns:a16="http://schemas.microsoft.com/office/drawing/2014/main" id="{186B147C-680E-3CC0-7B23-04265B834EE3}"/>
               </a:ext>
             </a:extLst>
           </p:cNvPr>
@@ -2100,7 +2100,7 @@
           <p:cNvPr id="4" name="灯片编号占位符 3">
             <a:extLst>
               <a:ext uri="{FF2B5EF4-FFF2-40B4-BE49-F238E27FC236}">
-                <a16:creationId xmlns:a16="http://schemas.microsoft.com/office/drawing/2014/main" id="{B96D98F9-9095-99E4-BA86-23CBE9D305A4}"/>
+                <a16:creationId xmlns:a16="http://schemas.microsoft.com/office/drawing/2014/main" id="{69BA350D-3225-1359-1701-DC1B751167E4}"/>
               </a:ext>
             </a:extLst>
           </p:cNvPr>
@@ -2116,7 +2116,7 @@
           <a:bodyPr/>
           <a:lstStyle/>
           <a:p>
-            <a:fld id="{5AA19460-45E9-46E1-AB32-3220A69F84E2}" type="slidenum">
+            <a:fld id="{38904F52-753B-4FA0-BFD1-48CA8FD344B5}" type="slidenum">
               <a:rPr lang="zh-CN" altLang="en-US" smtClean="0"/>
               <a:t>‹#›</a:t>
             </a:fld>
@@ -2127,7 +2127,7 @@
     </p:spTree>
     <p:extLst>
       <p:ext uri="{BB962C8B-B14F-4D97-AF65-F5344CB8AC3E}">
-        <p14:creationId xmlns:p14="http://schemas.microsoft.com/office/powerpoint/2010/main" val="1403577696"/>
+        <p14:creationId xmlns:p14="http://schemas.microsoft.com/office/powerpoint/2010/main" val="2280128968"/>
       </p:ext>
     </p:extLst>
   </p:cSld>
@@ -2159,7 +2159,7 @@
           <p:cNvPr id="2" name="标题 1">
             <a:extLst>
               <a:ext uri="{FF2B5EF4-FFF2-40B4-BE49-F238E27FC236}">
-                <a16:creationId xmlns:a16="http://schemas.microsoft.com/office/drawing/2014/main" id="{14593633-4939-1AF0-AEA9-5FFE06B2055C}"/>
+                <a16:creationId xmlns:a16="http://schemas.microsoft.com/office/drawing/2014/main" id="{2DE269B5-B897-BF2C-D2C8-1A5C081805DF}"/>
               </a:ext>
             </a:extLst>
           </p:cNvPr>
@@ -2196,7 +2196,7 @@
           <p:cNvPr id="3" name="内容占位符 2">
             <a:extLst>
               <a:ext uri="{FF2B5EF4-FFF2-40B4-BE49-F238E27FC236}">
-                <a16:creationId xmlns:a16="http://schemas.microsoft.com/office/drawing/2014/main" id="{B483424C-DCE8-32B1-EA0F-BBAFDEE884C7}"/>
+                <a16:creationId xmlns:a16="http://schemas.microsoft.com/office/drawing/2014/main" id="{8ED67562-7570-E755-CAB8-2522AEAF2493}"/>
               </a:ext>
             </a:extLst>
           </p:cNvPr>
@@ -2286,7 +2286,7 @@
           <p:cNvPr id="4" name="文本占位符 3">
             <a:extLst>
               <a:ext uri="{FF2B5EF4-FFF2-40B4-BE49-F238E27FC236}">
-                <a16:creationId xmlns:a16="http://schemas.microsoft.com/office/drawing/2014/main" id="{5D730853-BFDA-92C8-26DF-EA7D62C841CC}"/>
+                <a16:creationId xmlns:a16="http://schemas.microsoft.com/office/drawing/2014/main" id="{09229018-24DB-B4C4-F2BB-A392463596A7}"/>
               </a:ext>
             </a:extLst>
           </p:cNvPr>
@@ -2357,7 +2357,7 @@
           <p:cNvPr id="5" name="日期占位符 4">
             <a:extLst>
               <a:ext uri="{FF2B5EF4-FFF2-40B4-BE49-F238E27FC236}">
-                <a16:creationId xmlns:a16="http://schemas.microsoft.com/office/drawing/2014/main" id="{89DF33FB-673C-8BB5-3A3F-2685356F8221}"/>
+                <a16:creationId xmlns:a16="http://schemas.microsoft.com/office/drawing/2014/main" id="{83BD5735-8F43-D49F-886E-8AA6DCC092C6}"/>
               </a:ext>
             </a:extLst>
           </p:cNvPr>
@@ -2373,7 +2373,7 @@
           <a:bodyPr/>
           <a:lstStyle/>
           <a:p>
-            <a:fld id="{C6ED9E28-889F-4281-AE25-D8D76E9C6115}" type="datetimeFigureOut">
+            <a:fld id="{1F01151E-85CE-4A7F-A614-C9E5EE33EF06}" type="datetimeFigureOut">
               <a:rPr lang="zh-CN" altLang="en-US" smtClean="0"/>
               <a:t>2024/3/10</a:t>
             </a:fld>
@@ -2386,7 +2386,7 @@
           <p:cNvPr id="6" name="页脚占位符 5">
             <a:extLst>
               <a:ext uri="{FF2B5EF4-FFF2-40B4-BE49-F238E27FC236}">
-                <a16:creationId xmlns:a16="http://schemas.microsoft.com/office/drawing/2014/main" id="{C525D7C7-4E55-05BE-43B7-353780651951}"/>
+                <a16:creationId xmlns:a16="http://schemas.microsoft.com/office/drawing/2014/main" id="{A9158FFE-37B4-06E6-C349-AA14B3741B7F}"/>
               </a:ext>
             </a:extLst>
           </p:cNvPr>
@@ -2411,7 +2411,7 @@
           <p:cNvPr id="7" name="灯片编号占位符 6">
             <a:extLst>
               <a:ext uri="{FF2B5EF4-FFF2-40B4-BE49-F238E27FC236}">
-                <a16:creationId xmlns:a16="http://schemas.microsoft.com/office/drawing/2014/main" id="{DF6BCC7A-EEBD-9BB4-8FF2-21801C4B6F84}"/>
+                <a16:creationId xmlns:a16="http://schemas.microsoft.com/office/drawing/2014/main" id="{DD70416B-D37E-3F5C-9D7B-54D6BDF72986}"/>
               </a:ext>
             </a:extLst>
           </p:cNvPr>
@@ -2427,7 +2427,7 @@
           <a:bodyPr/>
           <a:lstStyle/>
           <a:p>
-            <a:fld id="{5AA19460-45E9-46E1-AB32-3220A69F84E2}" type="slidenum">
+            <a:fld id="{38904F52-753B-4FA0-BFD1-48CA8FD344B5}" type="slidenum">
               <a:rPr lang="zh-CN" altLang="en-US" smtClean="0"/>
               <a:t>‹#›</a:t>
             </a:fld>
@@ -2438,7 +2438,7 @@
     </p:spTree>
     <p:extLst>
       <p:ext uri="{BB962C8B-B14F-4D97-AF65-F5344CB8AC3E}">
-        <p14:creationId xmlns:p14="http://schemas.microsoft.com/office/powerpoint/2010/main" val="2482864263"/>
+        <p14:creationId xmlns:p14="http://schemas.microsoft.com/office/powerpoint/2010/main" val="67172711"/>
       </p:ext>
     </p:extLst>
   </p:cSld>
@@ -2470,7 +2470,7 @@
           <p:cNvPr id="2" name="标题 1">
             <a:extLst>
               <a:ext uri="{FF2B5EF4-FFF2-40B4-BE49-F238E27FC236}">
-                <a16:creationId xmlns:a16="http://schemas.microsoft.com/office/drawing/2014/main" id="{CB2E441D-5EEA-6063-50D3-F021432EF67B}"/>
+                <a16:creationId xmlns:a16="http://schemas.microsoft.com/office/drawing/2014/main" id="{73F404BE-8D29-B230-EF98-286E2DB58F51}"/>
               </a:ext>
             </a:extLst>
           </p:cNvPr>
@@ -2507,7 +2507,7 @@
           <p:cNvPr id="3" name="图片占位符 2">
             <a:extLst>
               <a:ext uri="{FF2B5EF4-FFF2-40B4-BE49-F238E27FC236}">
-                <a16:creationId xmlns:a16="http://schemas.microsoft.com/office/drawing/2014/main" id="{6A4D1F81-2A4B-AC07-C9FC-2D7055CBB756}"/>
+                <a16:creationId xmlns:a16="http://schemas.microsoft.com/office/drawing/2014/main" id="{D2402258-5A47-90E1-1EB2-2522BB2DFCF9}"/>
               </a:ext>
             </a:extLst>
           </p:cNvPr>
@@ -2574,7 +2574,7 @@
           <p:cNvPr id="4" name="文本占位符 3">
             <a:extLst>
               <a:ext uri="{FF2B5EF4-FFF2-40B4-BE49-F238E27FC236}">
-                <a16:creationId xmlns:a16="http://schemas.microsoft.com/office/drawing/2014/main" id="{E9A32089-E42F-D106-1AFC-4A6E294454BD}"/>
+                <a16:creationId xmlns:a16="http://schemas.microsoft.com/office/drawing/2014/main" id="{BEBC53F5-E189-BBF3-6D7C-ACDF27E923E1}"/>
               </a:ext>
             </a:extLst>
           </p:cNvPr>
@@ -2645,7 +2645,7 @@
           <p:cNvPr id="5" name="日期占位符 4">
             <a:extLst>
               <a:ext uri="{FF2B5EF4-FFF2-40B4-BE49-F238E27FC236}">
-                <a16:creationId xmlns:a16="http://schemas.microsoft.com/office/drawing/2014/main" id="{DE8A235E-27C9-3E19-09D9-63B0EF611C9A}"/>
+                <a16:creationId xmlns:a16="http://schemas.microsoft.com/office/drawing/2014/main" id="{144167F7-820C-E454-1818-4ED2B4F747F4}"/>
               </a:ext>
             </a:extLst>
           </p:cNvPr>
@@ -2661,7 +2661,7 @@
           <a:bodyPr/>
           <a:lstStyle/>
           <a:p>
-            <a:fld id="{C6ED9E28-889F-4281-AE25-D8D76E9C6115}" type="datetimeFigureOut">
+            <a:fld id="{1F01151E-85CE-4A7F-A614-C9E5EE33EF06}" type="datetimeFigureOut">
               <a:rPr lang="zh-CN" altLang="en-US" smtClean="0"/>
               <a:t>2024/3/10</a:t>
             </a:fld>
@@ -2674,7 +2674,7 @@
           <p:cNvPr id="6" name="页脚占位符 5">
             <a:extLst>
               <a:ext uri="{FF2B5EF4-FFF2-40B4-BE49-F238E27FC236}">
-                <a16:creationId xmlns:a16="http://schemas.microsoft.com/office/drawing/2014/main" id="{7E674A67-F330-9E1E-8660-39CF1148B447}"/>
+                <a16:creationId xmlns:a16="http://schemas.microsoft.com/office/drawing/2014/main" id="{E0865417-3A9A-7FF8-71F8-7624D692C26A}"/>
               </a:ext>
             </a:extLst>
           </p:cNvPr>
@@ -2699,7 +2699,7 @@
           <p:cNvPr id="7" name="灯片编号占位符 6">
             <a:extLst>
               <a:ext uri="{FF2B5EF4-FFF2-40B4-BE49-F238E27FC236}">
-                <a16:creationId xmlns:a16="http://schemas.microsoft.com/office/drawing/2014/main" id="{6F58E76E-24C8-9511-0A0D-84E260B84661}"/>
+                <a16:creationId xmlns:a16="http://schemas.microsoft.com/office/drawing/2014/main" id="{C7B6357D-6288-DC34-E867-1FA0496F1B73}"/>
               </a:ext>
             </a:extLst>
           </p:cNvPr>
@@ -2715,7 +2715,7 @@
           <a:bodyPr/>
           <a:lstStyle/>
           <a:p>
-            <a:fld id="{5AA19460-45E9-46E1-AB32-3220A69F84E2}" type="slidenum">
+            <a:fld id="{38904F52-753B-4FA0-BFD1-48CA8FD344B5}" type="slidenum">
               <a:rPr lang="zh-CN" altLang="en-US" smtClean="0"/>
               <a:t>‹#›</a:t>
             </a:fld>
@@ -2726,7 +2726,7 @@
     </p:spTree>
     <p:extLst>
       <p:ext uri="{BB962C8B-B14F-4D97-AF65-F5344CB8AC3E}">
-        <p14:creationId xmlns:p14="http://schemas.microsoft.com/office/powerpoint/2010/main" val="3062353847"/>
+        <p14:creationId xmlns:p14="http://schemas.microsoft.com/office/powerpoint/2010/main" val="427411425"/>
       </p:ext>
     </p:extLst>
   </p:cSld>
@@ -2763,7 +2763,7 @@
           <p:cNvPr id="2" name="标题占位符 1">
             <a:extLst>
               <a:ext uri="{FF2B5EF4-FFF2-40B4-BE49-F238E27FC236}">
-                <a16:creationId xmlns:a16="http://schemas.microsoft.com/office/drawing/2014/main" id="{7EA45FAA-F414-299E-8314-295756258639}"/>
+                <a16:creationId xmlns:a16="http://schemas.microsoft.com/office/drawing/2014/main" id="{4471C7A6-9E4B-6E25-41BC-1578DC8F3C50}"/>
               </a:ext>
             </a:extLst>
           </p:cNvPr>
@@ -2801,7 +2801,7 @@
           <p:cNvPr id="3" name="文本占位符 2">
             <a:extLst>
               <a:ext uri="{FF2B5EF4-FFF2-40B4-BE49-F238E27FC236}">
-                <a16:creationId xmlns:a16="http://schemas.microsoft.com/office/drawing/2014/main" id="{38B3BAE1-0884-9409-FE9F-CB95B80D7088}"/>
+                <a16:creationId xmlns:a16="http://schemas.microsoft.com/office/drawing/2014/main" id="{4BD02D60-1D54-726E-247E-587A33EEDE47}"/>
               </a:ext>
             </a:extLst>
           </p:cNvPr>
@@ -2868,7 +2868,7 @@
           <p:cNvPr id="4" name="日期占位符 3">
             <a:extLst>
               <a:ext uri="{FF2B5EF4-FFF2-40B4-BE49-F238E27FC236}">
-                <a16:creationId xmlns:a16="http://schemas.microsoft.com/office/drawing/2014/main" id="{52884050-CC9E-7338-3F3C-DC6A2D0FE3C0}"/>
+                <a16:creationId xmlns:a16="http://schemas.microsoft.com/office/drawing/2014/main" id="{95764A4C-A9FD-4DC3-05AD-F364EBCAF2BA}"/>
               </a:ext>
             </a:extLst>
           </p:cNvPr>
@@ -2902,7 +2902,7 @@
             </a:lvl1pPr>
           </a:lstStyle>
           <a:p>
-            <a:fld id="{C6ED9E28-889F-4281-AE25-D8D76E9C6115}" type="datetimeFigureOut">
+            <a:fld id="{1F01151E-85CE-4A7F-A614-C9E5EE33EF06}" type="datetimeFigureOut">
               <a:rPr lang="zh-CN" altLang="en-US" smtClean="0"/>
               <a:t>2024/3/10</a:t>
             </a:fld>
@@ -2915,7 +2915,7 @@
           <p:cNvPr id="5" name="页脚占位符 4">
             <a:extLst>
               <a:ext uri="{FF2B5EF4-FFF2-40B4-BE49-F238E27FC236}">
-                <a16:creationId xmlns:a16="http://schemas.microsoft.com/office/drawing/2014/main" id="{367B147A-FD03-5BFA-9C1A-8D0DDDD4885B}"/>
+                <a16:creationId xmlns:a16="http://schemas.microsoft.com/office/drawing/2014/main" id="{0DE8B443-9039-CFB2-68E9-97C7EFBB11B8}"/>
               </a:ext>
             </a:extLst>
           </p:cNvPr>
@@ -2958,7 +2958,7 @@
           <p:cNvPr id="6" name="灯片编号占位符 5">
             <a:extLst>
               <a:ext uri="{FF2B5EF4-FFF2-40B4-BE49-F238E27FC236}">
-                <a16:creationId xmlns:a16="http://schemas.microsoft.com/office/drawing/2014/main" id="{A1E0C420-3AFB-F2DB-4A46-9B73B8930F51}"/>
+                <a16:creationId xmlns:a16="http://schemas.microsoft.com/office/drawing/2014/main" id="{2CF8D67C-50ED-2ABE-8567-5A4F877427AB}"/>
               </a:ext>
             </a:extLst>
           </p:cNvPr>
@@ -2992,7 +2992,7 @@
             </a:lvl1pPr>
           </a:lstStyle>
           <a:p>
-            <a:fld id="{5AA19460-45E9-46E1-AB32-3220A69F84E2}" type="slidenum">
+            <a:fld id="{38904F52-753B-4FA0-BFD1-48CA8FD344B5}" type="slidenum">
               <a:rPr lang="zh-CN" altLang="en-US" smtClean="0"/>
               <a:t>‹#›</a:t>
             </a:fld>
@@ -3003,7 +3003,7 @@
     </p:spTree>
     <p:extLst>
       <p:ext uri="{BB962C8B-B14F-4D97-AF65-F5344CB8AC3E}">
-        <p14:creationId xmlns:p14="http://schemas.microsoft.com/office/powerpoint/2010/main" val="2764923848"/>
+        <p14:creationId xmlns:p14="http://schemas.microsoft.com/office/powerpoint/2010/main" val="3429162518"/>
       </p:ext>
     </p:extLst>
   </p:cSld>
